--- a/Presentation.pptx
+++ b/Presentation.pptx
@@ -3590,11 +3590,19 @@
             </a:r>
             <a:r>
               <a:rPr lang="en-US" dirty="0" smtClean="0"/>
-              <a:t>RDF description of a person named Eric Miller</a:t>
-            </a:r>
-            <a:r>
-              <a:rPr lang="en-GB" dirty="0" smtClean="0"/>
+              <a:t>RDF description of a person named </a:t>
+            </a:r>
+            <a:r>
+              <a:rPr lang="en-US" dirty="0" err="1" smtClean="0"/>
+              <a:t>Amina</a:t>
+            </a:r>
+            <a:r>
+              <a:rPr lang="en-US" dirty="0" smtClean="0"/>
               <a:t> </a:t>
+            </a:r>
+            <a:r>
+              <a:rPr lang="en-US" dirty="0" err="1" smtClean="0"/>
+              <a:t>Aiache</a:t>
             </a:r>
             <a:endParaRPr lang="en-GB" dirty="0"/>
           </a:p>
@@ -3602,7 +3610,7 @@
       </p:sp>
       <p:pic>
         <p:nvPicPr>
-          <p:cNvPr id="4" name="Content Placeholder 3" descr="Rdf_graph_for_Eric_Miller.png"/>
+          <p:cNvPr id="5" name="Content Placeholder 4" descr="example.png"/>
           <p:cNvPicPr>
             <a:picLocks noGrp="1" noChangeAspect="1"/>
           </p:cNvPicPr>
@@ -3618,15 +3626,15 @@
               </a:ext>
             </a:extLst>
           </a:blip>
-          <a:srcRect l="-22732" r="-22732"/>
+          <a:srcRect l="-5294" r="-5294"/>
           <a:stretch>
             <a:fillRect/>
           </a:stretch>
         </p:blipFill>
         <p:spPr>
           <a:xfrm>
-            <a:off x="-906757" y="1448998"/>
-            <a:ext cx="9892260" cy="5440362"/>
+            <a:off x="457200" y="1600200"/>
+            <a:ext cx="9036418" cy="4969682"/>
           </a:xfrm>
         </p:spPr>
       </p:pic>
